--- a/수원아태총회USER_231025_김인경회신.pptx
+++ b/수원아태총회USER_231025_김인경회신.pptx
@@ -264,7 +264,7 @@
           <a:p>
             <a:fld id="{1A02B34D-F512-4880-B632-F16DA9397976}" type="datetimeFigureOut">
               <a:rPr lang="ko-KR" altLang="en-US" smtClean="0"/>
-              <a:t>2023-10-29</a:t>
+              <a:t>2023-10-30</a:t>
             </a:fld>
             <a:endParaRPr lang="ko-KR" altLang="en-US"/>
           </a:p>
@@ -462,7 +462,7 @@
           <a:p>
             <a:fld id="{1A02B34D-F512-4880-B632-F16DA9397976}" type="datetimeFigureOut">
               <a:rPr lang="ko-KR" altLang="en-US" smtClean="0"/>
-              <a:t>2023-10-29</a:t>
+              <a:t>2023-10-30</a:t>
             </a:fld>
             <a:endParaRPr lang="ko-KR" altLang="en-US"/>
           </a:p>
@@ -670,7 +670,7 @@
           <a:p>
             <a:fld id="{1A02B34D-F512-4880-B632-F16DA9397976}" type="datetimeFigureOut">
               <a:rPr lang="ko-KR" altLang="en-US" smtClean="0"/>
-              <a:t>2023-10-29</a:t>
+              <a:t>2023-10-30</a:t>
             </a:fld>
             <a:endParaRPr lang="ko-KR" altLang="en-US"/>
           </a:p>
@@ -868,7 +868,7 @@
           <a:p>
             <a:fld id="{1A02B34D-F512-4880-B632-F16DA9397976}" type="datetimeFigureOut">
               <a:rPr lang="ko-KR" altLang="en-US" smtClean="0"/>
-              <a:t>2023-10-29</a:t>
+              <a:t>2023-10-30</a:t>
             </a:fld>
             <a:endParaRPr lang="ko-KR" altLang="en-US"/>
           </a:p>
@@ -1143,7 +1143,7 @@
           <a:p>
             <a:fld id="{1A02B34D-F512-4880-B632-F16DA9397976}" type="datetimeFigureOut">
               <a:rPr lang="ko-KR" altLang="en-US" smtClean="0"/>
-              <a:t>2023-10-29</a:t>
+              <a:t>2023-10-30</a:t>
             </a:fld>
             <a:endParaRPr lang="ko-KR" altLang="en-US"/>
           </a:p>
@@ -1408,7 +1408,7 @@
           <a:p>
             <a:fld id="{1A02B34D-F512-4880-B632-F16DA9397976}" type="datetimeFigureOut">
               <a:rPr lang="ko-KR" altLang="en-US" smtClean="0"/>
-              <a:t>2023-10-29</a:t>
+              <a:t>2023-10-30</a:t>
             </a:fld>
             <a:endParaRPr lang="ko-KR" altLang="en-US"/>
           </a:p>
@@ -1820,7 +1820,7 @@
           <a:p>
             <a:fld id="{1A02B34D-F512-4880-B632-F16DA9397976}" type="datetimeFigureOut">
               <a:rPr lang="ko-KR" altLang="en-US" smtClean="0"/>
-              <a:t>2023-10-29</a:t>
+              <a:t>2023-10-30</a:t>
             </a:fld>
             <a:endParaRPr lang="ko-KR" altLang="en-US"/>
           </a:p>
@@ -1961,7 +1961,7 @@
           <a:p>
             <a:fld id="{1A02B34D-F512-4880-B632-F16DA9397976}" type="datetimeFigureOut">
               <a:rPr lang="ko-KR" altLang="en-US" smtClean="0"/>
-              <a:t>2023-10-29</a:t>
+              <a:t>2023-10-30</a:t>
             </a:fld>
             <a:endParaRPr lang="ko-KR" altLang="en-US"/>
           </a:p>
@@ -2074,7 +2074,7 @@
           <a:p>
             <a:fld id="{1A02B34D-F512-4880-B632-F16DA9397976}" type="datetimeFigureOut">
               <a:rPr lang="ko-KR" altLang="en-US" smtClean="0"/>
-              <a:t>2023-10-29</a:t>
+              <a:t>2023-10-30</a:t>
             </a:fld>
             <a:endParaRPr lang="ko-KR" altLang="en-US"/>
           </a:p>
@@ -2385,7 +2385,7 @@
           <a:p>
             <a:fld id="{1A02B34D-F512-4880-B632-F16DA9397976}" type="datetimeFigureOut">
               <a:rPr lang="ko-KR" altLang="en-US" smtClean="0"/>
-              <a:t>2023-10-29</a:t>
+              <a:t>2023-10-30</a:t>
             </a:fld>
             <a:endParaRPr lang="ko-KR" altLang="en-US"/>
           </a:p>
@@ -2673,7 +2673,7 @@
           <a:p>
             <a:fld id="{1A02B34D-F512-4880-B632-F16DA9397976}" type="datetimeFigureOut">
               <a:rPr lang="ko-KR" altLang="en-US" smtClean="0"/>
-              <a:t>2023-10-29</a:t>
+              <a:t>2023-10-30</a:t>
             </a:fld>
             <a:endParaRPr lang="ko-KR" altLang="en-US"/>
           </a:p>
@@ -2914,7 +2914,7 @@
           <a:p>
             <a:fld id="{1A02B34D-F512-4880-B632-F16DA9397976}" type="datetimeFigureOut">
               <a:rPr lang="ko-KR" altLang="en-US" smtClean="0"/>
-              <a:t>2023-10-29</a:t>
+              <a:t>2023-10-30</a:t>
             </a:fld>
             <a:endParaRPr lang="ko-KR" altLang="en-US"/>
           </a:p>
@@ -5010,6 +5010,43 @@
           </a:p>
         </p:txBody>
       </p:sp>
+      <p:sp>
+        <p:nvSpPr>
+          <p:cNvPr id="2" name="TextBox 1">
+            <a:extLst>
+              <a:ext uri="{FF2B5EF4-FFF2-40B4-BE49-F238E27FC236}">
+                <a16:creationId xmlns:a16="http://schemas.microsoft.com/office/drawing/2014/main" id="{EB190FCC-8E6B-1410-9712-C80F4F3AF2D0}"/>
+              </a:ext>
+            </a:extLst>
+          </p:cNvPr>
+          <p:cNvSpPr txBox="1"/>
+          <p:nvPr/>
+        </p:nvSpPr>
+        <p:spPr>
+          <a:xfrm>
+            <a:off x="10209474" y="250120"/>
+            <a:ext cx="1723549" cy="1015663"/>
+          </a:xfrm>
+          <a:prstGeom prst="rect">
+            <a:avLst/>
+          </a:prstGeom>
+          <a:solidFill>
+            <a:srgbClr val="00B050"/>
+          </a:solidFill>
+        </p:spPr>
+        <p:txBody>
+          <a:bodyPr wrap="none" rtlCol="0">
+            <a:spAutoFit/>
+          </a:bodyPr>
+          <a:lstStyle/>
+          <a:p>
+            <a:r>
+              <a:rPr lang="ko-KR" altLang="en-US" sz="6000" b="1" dirty="0"/>
+              <a:t>완료</a:t>
+            </a:r>
+          </a:p>
+        </p:txBody>
+      </p:sp>
     </p:spTree>
     <p:extLst>
       <p:ext uri="{BB962C8B-B14F-4D97-AF65-F5344CB8AC3E}">
@@ -5703,6 +5740,43 @@
           <a:p>
             <a:pPr algn="ctr"/>
             <a:endParaRPr lang="ko-KR" altLang="en-US"/>
+          </a:p>
+        </p:txBody>
+      </p:sp>
+      <p:sp>
+        <p:nvSpPr>
+          <p:cNvPr id="2" name="TextBox 1">
+            <a:extLst>
+              <a:ext uri="{FF2B5EF4-FFF2-40B4-BE49-F238E27FC236}">
+                <a16:creationId xmlns:a16="http://schemas.microsoft.com/office/drawing/2014/main" id="{372073AC-CC63-E58E-6CB5-9BB53AEDF7B1}"/>
+              </a:ext>
+            </a:extLst>
+          </p:cNvPr>
+          <p:cNvSpPr txBox="1"/>
+          <p:nvPr/>
+        </p:nvSpPr>
+        <p:spPr>
+          <a:xfrm>
+            <a:off x="10209474" y="250120"/>
+            <a:ext cx="1723549" cy="1015663"/>
+          </a:xfrm>
+          <a:prstGeom prst="rect">
+            <a:avLst/>
+          </a:prstGeom>
+          <a:solidFill>
+            <a:srgbClr val="00B050"/>
+          </a:solidFill>
+        </p:spPr>
+        <p:txBody>
+          <a:bodyPr wrap="none" rtlCol="0">
+            <a:spAutoFit/>
+          </a:bodyPr>
+          <a:lstStyle/>
+          <a:p>
+            <a:r>
+              <a:rPr lang="ko-KR" altLang="en-US" sz="6000" b="1" dirty="0"/>
+              <a:t>완료</a:t>
+            </a:r>
           </a:p>
         </p:txBody>
       </p:sp>
@@ -6314,6 +6388,43 @@
               <a:latin typeface="+mn-ea"/>
               <a:cs typeface="Segoe UI" panose="020B0502040204020203" pitchFamily="34" charset="0"/>
             </a:endParaRPr>
+          </a:p>
+        </p:txBody>
+      </p:sp>
+      <p:sp>
+        <p:nvSpPr>
+          <p:cNvPr id="2" name="TextBox 1">
+            <a:extLst>
+              <a:ext uri="{FF2B5EF4-FFF2-40B4-BE49-F238E27FC236}">
+                <a16:creationId xmlns:a16="http://schemas.microsoft.com/office/drawing/2014/main" id="{242462BF-B7CB-DF9D-AA1E-D4055D4AB9DE}"/>
+              </a:ext>
+            </a:extLst>
+          </p:cNvPr>
+          <p:cNvSpPr txBox="1"/>
+          <p:nvPr/>
+        </p:nvSpPr>
+        <p:spPr>
+          <a:xfrm>
+            <a:off x="10209474" y="250120"/>
+            <a:ext cx="1723549" cy="1015663"/>
+          </a:xfrm>
+          <a:prstGeom prst="rect">
+            <a:avLst/>
+          </a:prstGeom>
+          <a:solidFill>
+            <a:srgbClr val="00B050"/>
+          </a:solidFill>
+        </p:spPr>
+        <p:txBody>
+          <a:bodyPr wrap="none" rtlCol="0">
+            <a:spAutoFit/>
+          </a:bodyPr>
+          <a:lstStyle/>
+          <a:p>
+            <a:r>
+              <a:rPr lang="ko-KR" altLang="en-US" sz="6000" b="1" dirty="0"/>
+              <a:t>완료</a:t>
+            </a:r>
           </a:p>
         </p:txBody>
       </p:sp>

--- a/수원아태총회USER_231025_김인경회신.pptx
+++ b/수원아태총회USER_231025_김인경회신.pptx
@@ -264,7 +264,7 @@
           <a:p>
             <a:fld id="{1A02B34D-F512-4880-B632-F16DA9397976}" type="datetimeFigureOut">
               <a:rPr lang="ko-KR" altLang="en-US" smtClean="0"/>
-              <a:t>2023-10-30</a:t>
+              <a:t>2023-11-01</a:t>
             </a:fld>
             <a:endParaRPr lang="ko-KR" altLang="en-US"/>
           </a:p>
@@ -462,7 +462,7 @@
           <a:p>
             <a:fld id="{1A02B34D-F512-4880-B632-F16DA9397976}" type="datetimeFigureOut">
               <a:rPr lang="ko-KR" altLang="en-US" smtClean="0"/>
-              <a:t>2023-10-30</a:t>
+              <a:t>2023-11-01</a:t>
             </a:fld>
             <a:endParaRPr lang="ko-KR" altLang="en-US"/>
           </a:p>
@@ -670,7 +670,7 @@
           <a:p>
             <a:fld id="{1A02B34D-F512-4880-B632-F16DA9397976}" type="datetimeFigureOut">
               <a:rPr lang="ko-KR" altLang="en-US" smtClean="0"/>
-              <a:t>2023-10-30</a:t>
+              <a:t>2023-11-01</a:t>
             </a:fld>
             <a:endParaRPr lang="ko-KR" altLang="en-US"/>
           </a:p>
@@ -868,7 +868,7 @@
           <a:p>
             <a:fld id="{1A02B34D-F512-4880-B632-F16DA9397976}" type="datetimeFigureOut">
               <a:rPr lang="ko-KR" altLang="en-US" smtClean="0"/>
-              <a:t>2023-10-30</a:t>
+              <a:t>2023-11-01</a:t>
             </a:fld>
             <a:endParaRPr lang="ko-KR" altLang="en-US"/>
           </a:p>
@@ -1143,7 +1143,7 @@
           <a:p>
             <a:fld id="{1A02B34D-F512-4880-B632-F16DA9397976}" type="datetimeFigureOut">
               <a:rPr lang="ko-KR" altLang="en-US" smtClean="0"/>
-              <a:t>2023-10-30</a:t>
+              <a:t>2023-11-01</a:t>
             </a:fld>
             <a:endParaRPr lang="ko-KR" altLang="en-US"/>
           </a:p>
@@ -1408,7 +1408,7 @@
           <a:p>
             <a:fld id="{1A02B34D-F512-4880-B632-F16DA9397976}" type="datetimeFigureOut">
               <a:rPr lang="ko-KR" altLang="en-US" smtClean="0"/>
-              <a:t>2023-10-30</a:t>
+              <a:t>2023-11-01</a:t>
             </a:fld>
             <a:endParaRPr lang="ko-KR" altLang="en-US"/>
           </a:p>
@@ -1820,7 +1820,7 @@
           <a:p>
             <a:fld id="{1A02B34D-F512-4880-B632-F16DA9397976}" type="datetimeFigureOut">
               <a:rPr lang="ko-KR" altLang="en-US" smtClean="0"/>
-              <a:t>2023-10-30</a:t>
+              <a:t>2023-11-01</a:t>
             </a:fld>
             <a:endParaRPr lang="ko-KR" altLang="en-US"/>
           </a:p>
@@ -1961,7 +1961,7 @@
           <a:p>
             <a:fld id="{1A02B34D-F512-4880-B632-F16DA9397976}" type="datetimeFigureOut">
               <a:rPr lang="ko-KR" altLang="en-US" smtClean="0"/>
-              <a:t>2023-10-30</a:t>
+              <a:t>2023-11-01</a:t>
             </a:fld>
             <a:endParaRPr lang="ko-KR" altLang="en-US"/>
           </a:p>
@@ -2074,7 +2074,7 @@
           <a:p>
             <a:fld id="{1A02B34D-F512-4880-B632-F16DA9397976}" type="datetimeFigureOut">
               <a:rPr lang="ko-KR" altLang="en-US" smtClean="0"/>
-              <a:t>2023-10-30</a:t>
+              <a:t>2023-11-01</a:t>
             </a:fld>
             <a:endParaRPr lang="ko-KR" altLang="en-US"/>
           </a:p>
@@ -2385,7 +2385,7 @@
           <a:p>
             <a:fld id="{1A02B34D-F512-4880-B632-F16DA9397976}" type="datetimeFigureOut">
               <a:rPr lang="ko-KR" altLang="en-US" smtClean="0"/>
-              <a:t>2023-10-30</a:t>
+              <a:t>2023-11-01</a:t>
             </a:fld>
             <a:endParaRPr lang="ko-KR" altLang="en-US"/>
           </a:p>
@@ -2673,7 +2673,7 @@
           <a:p>
             <a:fld id="{1A02B34D-F512-4880-B632-F16DA9397976}" type="datetimeFigureOut">
               <a:rPr lang="ko-KR" altLang="en-US" smtClean="0"/>
-              <a:t>2023-10-30</a:t>
+              <a:t>2023-11-01</a:t>
             </a:fld>
             <a:endParaRPr lang="ko-KR" altLang="en-US"/>
           </a:p>
@@ -2914,7 +2914,7 @@
           <a:p>
             <a:fld id="{1A02B34D-F512-4880-B632-F16DA9397976}" type="datetimeFigureOut">
               <a:rPr lang="ko-KR" altLang="en-US" smtClean="0"/>
-              <a:t>2023-10-30</a:t>
+              <a:t>2023-11-01</a:t>
             </a:fld>
             <a:endParaRPr lang="ko-KR" altLang="en-US"/>
           </a:p>
@@ -7073,6 +7073,139 @@
           </a:p>
         </p:txBody>
       </p:sp>
+      <p:sp>
+        <p:nvSpPr>
+          <p:cNvPr id="2" name="TextBox 1">
+            <a:extLst>
+              <a:ext uri="{FF2B5EF4-FFF2-40B4-BE49-F238E27FC236}">
+                <a16:creationId xmlns:a16="http://schemas.microsoft.com/office/drawing/2014/main" id="{A0F2E315-B1F7-EBC7-327C-745D498BB918}"/>
+              </a:ext>
+            </a:extLst>
+          </p:cNvPr>
+          <p:cNvSpPr txBox="1"/>
+          <p:nvPr/>
+        </p:nvSpPr>
+        <p:spPr>
+          <a:xfrm>
+            <a:off x="9999821" y="4696157"/>
+            <a:ext cx="1723549" cy="1015663"/>
+          </a:xfrm>
+          <a:prstGeom prst="rect">
+            <a:avLst/>
+          </a:prstGeom>
+          <a:solidFill>
+            <a:srgbClr val="00B050"/>
+          </a:solidFill>
+        </p:spPr>
+        <p:txBody>
+          <a:bodyPr wrap="none" rtlCol="0">
+            <a:spAutoFit/>
+          </a:bodyPr>
+          <a:lstStyle/>
+          <a:p>
+            <a:r>
+              <a:rPr lang="ko-KR" altLang="en-US" sz="6000" b="1" dirty="0"/>
+              <a:t>완료</a:t>
+            </a:r>
+          </a:p>
+        </p:txBody>
+      </p:sp>
+      <p:sp>
+        <p:nvSpPr>
+          <p:cNvPr id="9" name="TextBox 8">
+            <a:extLst>
+              <a:ext uri="{FF2B5EF4-FFF2-40B4-BE49-F238E27FC236}">
+                <a16:creationId xmlns:a16="http://schemas.microsoft.com/office/drawing/2014/main" id="{F38EA486-1F3E-730E-01B6-E14992987F26}"/>
+              </a:ext>
+            </a:extLst>
+          </p:cNvPr>
+          <p:cNvSpPr txBox="1"/>
+          <p:nvPr/>
+        </p:nvSpPr>
+        <p:spPr>
+          <a:xfrm>
+            <a:off x="3473125" y="3111592"/>
+            <a:ext cx="7249100" cy="738664"/>
+          </a:xfrm>
+          <a:prstGeom prst="rect">
+            <a:avLst/>
+          </a:prstGeom>
+          <a:solidFill>
+            <a:srgbClr val="FF0000"/>
+          </a:solidFill>
+        </p:spPr>
+        <p:txBody>
+          <a:bodyPr wrap="none" rtlCol="0">
+            <a:spAutoFit/>
+          </a:bodyPr>
+          <a:lstStyle/>
+          <a:p>
+            <a:r>
+              <a:rPr lang="ko-KR" altLang="en-US" sz="1400" b="1" dirty="0"/>
+              <a:t>리스트 제어는 </a:t>
+            </a:r>
+            <a:r>
+              <a:rPr lang="ko-KR" altLang="en-US" sz="1400" b="1" dirty="0" err="1"/>
+              <a:t>페이징</a:t>
+            </a:r>
+            <a:r>
+              <a:rPr lang="ko-KR" altLang="en-US" sz="1400" b="1" dirty="0"/>
+              <a:t> 처리 로직으로 개발에서 처리하는 부분이라</a:t>
+            </a:r>
+            <a:endParaRPr lang="en-US" altLang="ko-KR" sz="1400" b="1" dirty="0"/>
+          </a:p>
+          <a:p>
+            <a:r>
+              <a:rPr lang="ko-KR" altLang="en-US" sz="1400" b="1" dirty="0"/>
+              <a:t>개발에 문의 부탁드립니다</a:t>
+            </a:r>
+            <a:r>
+              <a:rPr lang="en-US" altLang="ko-KR" sz="1400" b="1" dirty="0"/>
+              <a:t>. </a:t>
+            </a:r>
+            <a:r>
+              <a:rPr lang="ko-KR" altLang="en-US" sz="1400" b="1" dirty="0"/>
+              <a:t>반응형으로 </a:t>
+            </a:r>
+            <a:r>
+              <a:rPr lang="en-US" altLang="ko-KR" sz="1400" b="1" dirty="0"/>
+              <a:t>PC </a:t>
+            </a:r>
+            <a:r>
+              <a:rPr lang="ko-KR" altLang="en-US" sz="1400" b="1" dirty="0"/>
+              <a:t>모바일 따로 리스트를 </a:t>
+            </a:r>
+            <a:r>
+              <a:rPr lang="ko-KR" altLang="en-US" sz="1400" b="1" dirty="0" err="1"/>
+              <a:t>하는건</a:t>
+            </a:r>
+            <a:r>
+              <a:rPr lang="ko-KR" altLang="en-US" sz="1400" b="1" dirty="0"/>
+              <a:t> 사례도 잘 없고</a:t>
+            </a:r>
+            <a:endParaRPr lang="en-US" altLang="ko-KR" sz="1400" b="1" dirty="0"/>
+          </a:p>
+          <a:p>
+            <a:r>
+              <a:rPr lang="ko-KR" altLang="en-US" sz="1400" b="1" dirty="0" err="1"/>
+              <a:t>어려울듯</a:t>
+            </a:r>
+            <a:r>
+              <a:rPr lang="ko-KR" altLang="en-US" sz="1400" b="1" dirty="0"/>
+              <a:t> 싶습니다</a:t>
+            </a:r>
+            <a:r>
+              <a:rPr lang="en-US" altLang="ko-KR" sz="1400" b="1"/>
+              <a:t>.</a:t>
+            </a:r>
+            <a:r>
+              <a:rPr lang="ko-KR" altLang="en-US" sz="1400" b="1"/>
+              <a:t> </a:t>
+            </a:r>
+            <a:endParaRPr lang="ko-KR" altLang="en-US" sz="1400" b="1" dirty="0"/>
+          </a:p>
+        </p:txBody>
+      </p:sp>
     </p:spTree>
     <p:extLst>
       <p:ext uri="{BB962C8B-B14F-4D97-AF65-F5344CB8AC3E}">
